--- a/スライド等/迷路探査ゲーム ルール説明.pptx
+++ b/スライド等/迷路探査ゲーム ルール説明.pptx
@@ -272,7 +272,7 @@
           <a:p>
             <a:fld id="{50EE3616-4F7C-408B-9289-3A2A6E104ED7}" type="datetimeFigureOut">
               <a:rPr kumimoji="1" lang="ja-JP" altLang="en-US" smtClean="0"/>
-              <a:t>2022/12/9</a:t>
+              <a:t>2022/12/10</a:t>
             </a:fld>
             <a:endParaRPr kumimoji="1" lang="ja-JP" altLang="en-US"/>
           </a:p>
@@ -472,7 +472,7 @@
           <a:p>
             <a:fld id="{50EE3616-4F7C-408B-9289-3A2A6E104ED7}" type="datetimeFigureOut">
               <a:rPr kumimoji="1" lang="ja-JP" altLang="en-US" smtClean="0"/>
-              <a:t>2022/12/9</a:t>
+              <a:t>2022/12/10</a:t>
             </a:fld>
             <a:endParaRPr kumimoji="1" lang="ja-JP" altLang="en-US"/>
           </a:p>
@@ -682,7 +682,7 @@
           <a:p>
             <a:fld id="{50EE3616-4F7C-408B-9289-3A2A6E104ED7}" type="datetimeFigureOut">
               <a:rPr kumimoji="1" lang="ja-JP" altLang="en-US" smtClean="0"/>
-              <a:t>2022/12/9</a:t>
+              <a:t>2022/12/10</a:t>
             </a:fld>
             <a:endParaRPr kumimoji="1" lang="ja-JP" altLang="en-US"/>
           </a:p>
@@ -882,7 +882,7 @@
           <a:p>
             <a:fld id="{50EE3616-4F7C-408B-9289-3A2A6E104ED7}" type="datetimeFigureOut">
               <a:rPr kumimoji="1" lang="ja-JP" altLang="en-US" smtClean="0"/>
-              <a:t>2022/12/9</a:t>
+              <a:t>2022/12/10</a:t>
             </a:fld>
             <a:endParaRPr kumimoji="1" lang="ja-JP" altLang="en-US"/>
           </a:p>
@@ -1127,7 +1127,7 @@
           <a:p>
             <a:fld id="{50EE3616-4F7C-408B-9289-3A2A6E104ED7}" type="datetimeFigureOut">
               <a:rPr kumimoji="1" lang="ja-JP" altLang="en-US" smtClean="0"/>
-              <a:t>2022/12/9</a:t>
+              <a:t>2022/12/10</a:t>
             </a:fld>
             <a:endParaRPr kumimoji="1" lang="ja-JP" altLang="en-US"/>
           </a:p>
@@ -1420,7 +1420,7 @@
           <a:p>
             <a:fld id="{50EE3616-4F7C-408B-9289-3A2A6E104ED7}" type="datetimeFigureOut">
               <a:rPr kumimoji="1" lang="ja-JP" altLang="en-US" smtClean="0"/>
-              <a:t>2022/12/9</a:t>
+              <a:t>2022/12/10</a:t>
             </a:fld>
             <a:endParaRPr kumimoji="1" lang="ja-JP" altLang="en-US"/>
           </a:p>
@@ -1848,7 +1848,7 @@
           <a:p>
             <a:fld id="{50EE3616-4F7C-408B-9289-3A2A6E104ED7}" type="datetimeFigureOut">
               <a:rPr kumimoji="1" lang="ja-JP" altLang="en-US" smtClean="0"/>
-              <a:t>2022/12/9</a:t>
+              <a:t>2022/12/10</a:t>
             </a:fld>
             <a:endParaRPr kumimoji="1" lang="ja-JP" altLang="en-US"/>
           </a:p>
@@ -1965,7 +1965,7 @@
           <a:p>
             <a:fld id="{50EE3616-4F7C-408B-9289-3A2A6E104ED7}" type="datetimeFigureOut">
               <a:rPr kumimoji="1" lang="ja-JP" altLang="en-US" smtClean="0"/>
-              <a:t>2022/12/9</a:t>
+              <a:t>2022/12/10</a:t>
             </a:fld>
             <a:endParaRPr kumimoji="1" lang="ja-JP" altLang="en-US"/>
           </a:p>
@@ -2060,7 +2060,7 @@
           <a:p>
             <a:fld id="{50EE3616-4F7C-408B-9289-3A2A6E104ED7}" type="datetimeFigureOut">
               <a:rPr kumimoji="1" lang="ja-JP" altLang="en-US" smtClean="0"/>
-              <a:t>2022/12/9</a:t>
+              <a:t>2022/12/10</a:t>
             </a:fld>
             <a:endParaRPr kumimoji="1" lang="ja-JP" altLang="en-US"/>
           </a:p>
@@ -2367,7 +2367,7 @@
           <a:p>
             <a:fld id="{50EE3616-4F7C-408B-9289-3A2A6E104ED7}" type="datetimeFigureOut">
               <a:rPr kumimoji="1" lang="ja-JP" altLang="en-US" smtClean="0"/>
-              <a:t>2022/12/9</a:t>
+              <a:t>2022/12/10</a:t>
             </a:fld>
             <a:endParaRPr kumimoji="1" lang="ja-JP" altLang="en-US"/>
           </a:p>
@@ -2619,7 +2619,7 @@
           <a:p>
             <a:fld id="{50EE3616-4F7C-408B-9289-3A2A6E104ED7}" type="datetimeFigureOut">
               <a:rPr kumimoji="1" lang="ja-JP" altLang="en-US" smtClean="0"/>
-              <a:t>2022/12/9</a:t>
+              <a:t>2022/12/10</a:t>
             </a:fld>
             <a:endParaRPr kumimoji="1" lang="ja-JP" altLang="en-US"/>
           </a:p>
@@ -2862,7 +2862,7 @@
           <a:p>
             <a:fld id="{50EE3616-4F7C-408B-9289-3A2A6E104ED7}" type="datetimeFigureOut">
               <a:rPr kumimoji="1" lang="ja-JP" altLang="en-US" smtClean="0"/>
-              <a:t>2022/12/9</a:t>
+              <a:t>2022/12/10</a:t>
             </a:fld>
             <a:endParaRPr kumimoji="1" lang="ja-JP" altLang="en-US"/>
           </a:p>
